--- a/Python Cheat Sheet.pptx
+++ b/Python Cheat Sheet.pptx
@@ -11,7 +11,7 @@
     <p:handoutMasterId r:id="rId33"/>
   </p:handoutMasterIdLst>
   <p:sldIdLst>
-    <p:sldId id="2147378985" r:id="rId5"/>
+    <p:sldId id="2147378998" r:id="rId5"/>
     <p:sldId id="2147378971" r:id="rId6"/>
     <p:sldId id="2147378970" r:id="rId7"/>
     <p:sldId id="2147378972" r:id="rId8"/>
@@ -263,7 +263,7 @@
           <a:p>
             <a:fld id="{51C2EC88-F953-4BD6-A688-3279E9A6E67A}" type="datetimeFigureOut">
               <a:rPr lang="fr-FR" smtClean="0"/>
-              <a:t>26/09/2025</a:t>
+              <a:t>30/09/2025</a:t>
             </a:fld>
             <a:endParaRPr lang="fr-FR"/>
           </a:p>
@@ -440,7 +440,7 @@
           <a:p>
             <a:fld id="{5E849E9D-AF7B-45D0-B389-3AE92F6B3F8A}" type="datetimeFigureOut">
               <a:rPr lang="fr-FR" smtClean="0"/>
-              <a:t>26/09/2025</a:t>
+              <a:t>30/09/2025</a:t>
             </a:fld>
             <a:endParaRPr lang="fr-FR"/>
           </a:p>
@@ -704,6 +704,90 @@
     </a:lvl9pPr>
   </p:notesStyle>
 </p:notesMaster>
+</file>
+
+<file path=ppt/notesSlides/notesSlide1.xml><?xml version="1.0" encoding="utf-8"?>
+<p:notes xmlns:a="http://schemas.openxmlformats.org/drawingml/2006/main" xmlns:r="http://schemas.openxmlformats.org/officeDocument/2006/relationships" xmlns:p="http://schemas.openxmlformats.org/presentationml/2006/main">
+  <p:cSld>
+    <p:spTree>
+      <p:nvGrpSpPr>
+        <p:cNvPr id="1" name=""/>
+        <p:cNvGrpSpPr/>
+        <p:nvPr/>
+      </p:nvGrpSpPr>
+      <p:grpSpPr>
+        <a:xfrm>
+          <a:off x="0" y="0"/>
+          <a:ext cx="0" cy="0"/>
+          <a:chOff x="0" y="0"/>
+          <a:chExt cx="0" cy="0"/>
+        </a:xfrm>
+      </p:grpSpPr>
+      <p:sp>
+        <p:nvSpPr>
+          <p:cNvPr id="2" name="Espace réservé de l'image des diapositives 1"/>
+          <p:cNvSpPr>
+            <a:spLocks noGrp="1" noRot="1" noChangeAspect="1"/>
+          </p:cNvSpPr>
+          <p:nvPr>
+            <p:ph type="sldImg"/>
+          </p:nvPr>
+        </p:nvSpPr>
+        <p:spPr/>
+      </p:sp>
+      <p:sp>
+        <p:nvSpPr>
+          <p:cNvPr id="3" name="Espace réservé des notes 2"/>
+          <p:cNvSpPr>
+            <a:spLocks noGrp="1"/>
+          </p:cNvSpPr>
+          <p:nvPr>
+            <p:ph type="body" idx="1"/>
+          </p:nvPr>
+        </p:nvSpPr>
+        <p:spPr/>
+        <p:txBody>
+          <a:bodyPr/>
+          <a:lstStyle/>
+          <a:p>
+            <a:endParaRPr lang="fr-FR" dirty="0"/>
+          </a:p>
+        </p:txBody>
+      </p:sp>
+      <p:sp>
+        <p:nvSpPr>
+          <p:cNvPr id="4" name="Espace réservé du numéro de diapositive 3"/>
+          <p:cNvSpPr>
+            <a:spLocks noGrp="1"/>
+          </p:cNvSpPr>
+          <p:nvPr>
+            <p:ph type="sldNum" sz="quarter" idx="5"/>
+          </p:nvPr>
+        </p:nvSpPr>
+        <p:spPr/>
+        <p:txBody>
+          <a:bodyPr/>
+          <a:lstStyle/>
+          <a:p>
+            <a:fld id="{6FEDE3DE-59D0-436E-9643-2C33BA4042BB}" type="slidenum">
+              <a:rPr lang="fr-FR" smtClean="0"/>
+              <a:t>11</a:t>
+            </a:fld>
+            <a:endParaRPr lang="fr-FR"/>
+          </a:p>
+        </p:txBody>
+      </p:sp>
+    </p:spTree>
+    <p:extLst>
+      <p:ext uri="{BB962C8B-B14F-4D97-AF65-F5344CB8AC3E}">
+        <p14:creationId xmlns:p14="http://schemas.microsoft.com/office/powerpoint/2010/main" val="1606000621"/>
+      </p:ext>
+    </p:extLst>
+  </p:cSld>
+  <p:clrMapOvr>
+    <a:masterClrMapping/>
+  </p:clrMapOvr>
+</p:notes>
 </file>
 
 <file path=ppt/slideLayouts/slideLayout1.xml><?xml version="1.0" encoding="utf-8"?>
@@ -5273,7 +5357,7 @@
     </p:spTree>
     <p:extLst>
       <p:ext uri="{BB962C8B-B14F-4D97-AF65-F5344CB8AC3E}">
-        <p14:creationId xmlns:p14="http://schemas.microsoft.com/office/powerpoint/2010/main" val="2655848706"/>
+        <p14:creationId xmlns:p14="http://schemas.microsoft.com/office/powerpoint/2010/main" val="2858380043"/>
       </p:ext>
     </p:extLst>
   </p:cSld>
@@ -5877,8 +5961,12 @@
               </a:p>
               <a:p>
                 <a:r>
+                  <a:rPr lang="en-US" b="1"/>
+                  <a:t>When </a:t>
+                </a:r>
+                <a:r>
                   <a:rPr lang="en-US" b="1" dirty="0"/>
-                  <a:t>When to use it:</a:t>
+                  <a:t>to use it:</a:t>
                 </a:r>
                 <a:br>
                   <a:rPr lang="en-US" dirty="0"/>
@@ -6197,6 +6285,79 @@
           </a:p>
         </p:txBody>
       </p:sp>
+      <p:sp>
+        <p:nvSpPr>
+          <p:cNvPr id="4" name="ZoneTexte 3">
+            <a:extLst>
+              <a:ext uri="{FF2B5EF4-FFF2-40B4-BE49-F238E27FC236}">
+                <a16:creationId xmlns:a16="http://schemas.microsoft.com/office/drawing/2014/main" id="{1CD7FAF8-CB8D-35B8-0A0C-87C11DA6425D}"/>
+              </a:ext>
+            </a:extLst>
+          </p:cNvPr>
+          <p:cNvSpPr txBox="1"/>
+          <p:nvPr/>
+        </p:nvSpPr>
+        <p:spPr>
+          <a:xfrm>
+            <a:off x="3435928" y="5485648"/>
+            <a:ext cx="8610049" cy="830997"/>
+          </a:xfrm>
+          <a:prstGeom prst="rect">
+            <a:avLst/>
+          </a:prstGeom>
+          <a:noFill/>
+        </p:spPr>
+        <p:txBody>
+          <a:bodyPr wrap="none" rtlCol="0">
+            <a:spAutoFit/>
+          </a:bodyPr>
+          <a:lstStyle/>
+          <a:p>
+            <a:r>
+              <a:rPr lang="fr-FR" sz="1600" dirty="0"/>
+              <a:t>Documentation:</a:t>
+            </a:r>
+            <a:endParaRPr lang="fr-FR" sz="1600" dirty="0">
+              <a:hlinkClick r:id="rId3">
+                <a:extLst>
+                  <a:ext uri="{A12FA001-AC4F-418D-AE19-62706E023703}">
+                    <ahyp:hlinkClr xmlns:ahyp="http://schemas.microsoft.com/office/drawing/2018/hyperlinkcolor" val="tx"/>
+                  </a:ext>
+                </a:extLst>
+              </a:hlinkClick>
+            </a:endParaRPr>
+          </a:p>
+          <a:p>
+            <a:r>
+              <a:rPr lang="fr-FR" sz="1600" i="1" dirty="0">
+                <a:solidFill>
+                  <a:schemeClr val="tx2"/>
+                </a:solidFill>
+                <a:hlinkClick r:id="rId3">
+                  <a:extLst>
+                    <a:ext uri="{A12FA001-AC4F-418D-AE19-62706E023703}">
+                      <ahyp:hlinkClr xmlns:ahyp="http://schemas.microsoft.com/office/drawing/2018/hyperlinkcolor" val="tx"/>
+                    </a:ext>
+                  </a:extLst>
+                </a:hlinkClick>
+              </a:rPr>
+              <a:t>https://scikit-learn.org/stable/modules/generated/sklearn.linear_model.LinearRegression.html</a:t>
+            </a:r>
+            <a:endParaRPr lang="fr-FR" sz="1600" i="1" dirty="0">
+              <a:solidFill>
+                <a:schemeClr val="tx2"/>
+              </a:solidFill>
+            </a:endParaRPr>
+          </a:p>
+          <a:p>
+            <a:endParaRPr lang="fr-FR" sz="1600" i="1" dirty="0">
+              <a:solidFill>
+                <a:schemeClr val="tx2"/>
+              </a:solidFill>
+            </a:endParaRPr>
+          </a:p>
+        </p:txBody>
+      </p:sp>
     </p:spTree>
     <p:extLst>
       <p:ext uri="{BB962C8B-B14F-4D97-AF65-F5344CB8AC3E}">
@@ -6770,6 +6931,79 @@
               <a:t>Logistic Regression – python code</a:t>
             </a:r>
             <a:endParaRPr lang="fr-FR" dirty="0"/>
+          </a:p>
+        </p:txBody>
+      </p:sp>
+      <p:sp>
+        <p:nvSpPr>
+          <p:cNvPr id="4" name="ZoneTexte 3">
+            <a:extLst>
+              <a:ext uri="{FF2B5EF4-FFF2-40B4-BE49-F238E27FC236}">
+                <a16:creationId xmlns:a16="http://schemas.microsoft.com/office/drawing/2014/main" id="{7A161D47-7CE3-A7B3-C9E9-0C2DA93B77FD}"/>
+              </a:ext>
+            </a:extLst>
+          </p:cNvPr>
+          <p:cNvSpPr txBox="1"/>
+          <p:nvPr/>
+        </p:nvSpPr>
+        <p:spPr>
+          <a:xfrm>
+            <a:off x="2937165" y="5813366"/>
+            <a:ext cx="8735084" cy="830997"/>
+          </a:xfrm>
+          <a:prstGeom prst="rect">
+            <a:avLst/>
+          </a:prstGeom>
+          <a:noFill/>
+        </p:spPr>
+        <p:txBody>
+          <a:bodyPr wrap="none" rtlCol="0">
+            <a:spAutoFit/>
+          </a:bodyPr>
+          <a:lstStyle/>
+          <a:p>
+            <a:r>
+              <a:rPr lang="fr-FR" sz="1600" dirty="0"/>
+              <a:t>Documentation:</a:t>
+            </a:r>
+            <a:endParaRPr lang="fr-FR" sz="1600" dirty="0">
+              <a:hlinkClick r:id="rId2">
+                <a:extLst>
+                  <a:ext uri="{A12FA001-AC4F-418D-AE19-62706E023703}">
+                    <ahyp:hlinkClr xmlns:ahyp="http://schemas.microsoft.com/office/drawing/2018/hyperlinkcolor" val="tx"/>
+                  </a:ext>
+                </a:extLst>
+              </a:hlinkClick>
+            </a:endParaRPr>
+          </a:p>
+          <a:p>
+            <a:r>
+              <a:rPr lang="fr-FR" sz="1600" i="1" dirty="0">
+                <a:solidFill>
+                  <a:srgbClr val="282AFF"/>
+                </a:solidFill>
+                <a:hlinkClick r:id="rId3">
+                  <a:extLst>
+                    <a:ext uri="{A12FA001-AC4F-418D-AE19-62706E023703}">
+                      <ahyp:hlinkClr xmlns:ahyp="http://schemas.microsoft.com/office/drawing/2018/hyperlinkcolor" val="tx"/>
+                    </a:ext>
+                  </a:extLst>
+                </a:hlinkClick>
+              </a:rPr>
+              <a:t>https://scikit-learn.org/stable/modules/generated/sklearn.linear_model.LogisticRegression.html</a:t>
+            </a:r>
+            <a:endParaRPr lang="fr-FR" sz="1600" i="1" dirty="0">
+              <a:solidFill>
+                <a:srgbClr val="282AFF"/>
+              </a:solidFill>
+            </a:endParaRPr>
+          </a:p>
+          <a:p>
+            <a:endParaRPr lang="fr-FR" sz="1600" i="1" dirty="0">
+              <a:solidFill>
+                <a:schemeClr val="tx2"/>
+              </a:solidFill>
+            </a:endParaRPr>
           </a:p>
         </p:txBody>
       </p:sp>
@@ -7923,8 +8157,8 @@
         </p:nvSpPr>
         <p:spPr>
           <a:xfrm>
-            <a:off x="469879" y="1372351"/>
-            <a:ext cx="6424143" cy="4441015"/>
+            <a:off x="469879" y="1372352"/>
+            <a:ext cx="6424143" cy="2750762"/>
           </a:xfrm>
           <a:solidFill>
             <a:schemeClr val="bg1">
@@ -8084,6 +8318,79 @@
               <a:t>– python code</a:t>
             </a:r>
             <a:endParaRPr lang="fr-FR" dirty="0"/>
+          </a:p>
+        </p:txBody>
+      </p:sp>
+      <p:sp>
+        <p:nvSpPr>
+          <p:cNvPr id="4" name="ZoneTexte 3">
+            <a:extLst>
+              <a:ext uri="{FF2B5EF4-FFF2-40B4-BE49-F238E27FC236}">
+                <a16:creationId xmlns:a16="http://schemas.microsoft.com/office/drawing/2014/main" id="{92ADBE5D-2A7E-44EF-DB32-207869F8C660}"/>
+              </a:ext>
+            </a:extLst>
+          </p:cNvPr>
+          <p:cNvSpPr txBox="1"/>
+          <p:nvPr/>
+        </p:nvSpPr>
+        <p:spPr>
+          <a:xfrm>
+            <a:off x="2870664" y="5430981"/>
+            <a:ext cx="6630341" cy="830997"/>
+          </a:xfrm>
+          <a:prstGeom prst="rect">
+            <a:avLst/>
+          </a:prstGeom>
+          <a:noFill/>
+        </p:spPr>
+        <p:txBody>
+          <a:bodyPr wrap="none" rtlCol="0">
+            <a:spAutoFit/>
+          </a:bodyPr>
+          <a:lstStyle/>
+          <a:p>
+            <a:r>
+              <a:rPr lang="fr-FR" sz="1600" dirty="0"/>
+              <a:t>Documentation:</a:t>
+            </a:r>
+            <a:endParaRPr lang="fr-FR" sz="1600" dirty="0">
+              <a:hlinkClick r:id="rId2">
+                <a:extLst>
+                  <a:ext uri="{A12FA001-AC4F-418D-AE19-62706E023703}">
+                    <ahyp:hlinkClr xmlns:ahyp="http://schemas.microsoft.com/office/drawing/2018/hyperlinkcolor" val="tx"/>
+                  </a:ext>
+                </a:extLst>
+              </a:hlinkClick>
+            </a:endParaRPr>
+          </a:p>
+          <a:p>
+            <a:r>
+              <a:rPr lang="fr-FR" sz="1600" i="1" dirty="0">
+                <a:solidFill>
+                  <a:srgbClr val="282AFF"/>
+                </a:solidFill>
+                <a:hlinkClick r:id="rId3">
+                  <a:extLst>
+                    <a:ext uri="{A12FA001-AC4F-418D-AE19-62706E023703}">
+                      <ahyp:hlinkClr xmlns:ahyp="http://schemas.microsoft.com/office/drawing/2018/hyperlinkcolor" val="tx"/>
+                    </a:ext>
+                  </a:extLst>
+                </a:hlinkClick>
+              </a:rPr>
+              <a:t>https://scikit-learn.org/stable/modules/generated/sklearn.svm.SVC.html</a:t>
+            </a:r>
+            <a:endParaRPr lang="fr-FR" sz="1600" i="1" dirty="0">
+              <a:solidFill>
+                <a:srgbClr val="282AFF"/>
+              </a:solidFill>
+            </a:endParaRPr>
+          </a:p>
+          <a:p>
+            <a:endParaRPr lang="fr-FR" sz="1600" i="1" dirty="0">
+              <a:solidFill>
+                <a:schemeClr val="tx2"/>
+              </a:solidFill>
+            </a:endParaRPr>
           </a:p>
         </p:txBody>
       </p:sp>
@@ -8540,6 +8847,79 @@
           </a:p>
         </p:txBody>
       </p:sp>
+      <p:sp>
+        <p:nvSpPr>
+          <p:cNvPr id="4" name="ZoneTexte 3">
+            <a:extLst>
+              <a:ext uri="{FF2B5EF4-FFF2-40B4-BE49-F238E27FC236}">
+                <a16:creationId xmlns:a16="http://schemas.microsoft.com/office/drawing/2014/main" id="{EA0ECBCC-D0DE-C090-7232-54FF111EE399}"/>
+              </a:ext>
+            </a:extLst>
+          </p:cNvPr>
+          <p:cNvSpPr txBox="1"/>
+          <p:nvPr/>
+        </p:nvSpPr>
+        <p:spPr>
+          <a:xfrm>
+            <a:off x="3230883" y="5425440"/>
+            <a:ext cx="8636082" cy="830997"/>
+          </a:xfrm>
+          <a:prstGeom prst="rect">
+            <a:avLst/>
+          </a:prstGeom>
+          <a:noFill/>
+        </p:spPr>
+        <p:txBody>
+          <a:bodyPr wrap="none" rtlCol="0">
+            <a:spAutoFit/>
+          </a:bodyPr>
+          <a:lstStyle/>
+          <a:p>
+            <a:r>
+              <a:rPr lang="fr-FR" sz="1600" dirty="0"/>
+              <a:t>Documentation:</a:t>
+            </a:r>
+            <a:endParaRPr lang="fr-FR" sz="1600" dirty="0">
+              <a:hlinkClick r:id="rId2">
+                <a:extLst>
+                  <a:ext uri="{A12FA001-AC4F-418D-AE19-62706E023703}">
+                    <ahyp:hlinkClr xmlns:ahyp="http://schemas.microsoft.com/office/drawing/2018/hyperlinkcolor" val="tx"/>
+                  </a:ext>
+                </a:extLst>
+              </a:hlinkClick>
+            </a:endParaRPr>
+          </a:p>
+          <a:p>
+            <a:r>
+              <a:rPr lang="fr-FR" sz="1600" i="1" dirty="0">
+                <a:solidFill>
+                  <a:srgbClr val="282AFF"/>
+                </a:solidFill>
+                <a:hlinkClick r:id="rId3">
+                  <a:extLst>
+                    <a:ext uri="{A12FA001-AC4F-418D-AE19-62706E023703}">
+                      <ahyp:hlinkClr xmlns:ahyp="http://schemas.microsoft.com/office/drawing/2018/hyperlinkcolor" val="tx"/>
+                    </a:ext>
+                  </a:extLst>
+                </a:hlinkClick>
+              </a:rPr>
+              <a:t>https://scikit-learn.org/stable/modules/generated/sklearn.neighbors.KNeighborsClassifier.html</a:t>
+            </a:r>
+            <a:endParaRPr lang="fr-FR" sz="1600" i="1" dirty="0">
+              <a:solidFill>
+                <a:srgbClr val="282AFF"/>
+              </a:solidFill>
+            </a:endParaRPr>
+          </a:p>
+          <a:p>
+            <a:endParaRPr lang="fr-FR" sz="1600" i="1" dirty="0">
+              <a:solidFill>
+                <a:schemeClr val="tx2"/>
+              </a:solidFill>
+            </a:endParaRPr>
+          </a:p>
+        </p:txBody>
+      </p:sp>
     </p:spTree>
     <p:extLst>
       <p:ext uri="{BB962C8B-B14F-4D97-AF65-F5344CB8AC3E}">
@@ -8734,8 +9114,8 @@
         </p:nvSpPr>
         <p:spPr>
           <a:xfrm>
-            <a:off x="469879" y="1372351"/>
-            <a:ext cx="9566354" cy="4441015"/>
+            <a:off x="469879" y="1372352"/>
+            <a:ext cx="9566354" cy="3648536"/>
           </a:xfrm>
           <a:solidFill>
             <a:schemeClr val="bg1">
@@ -8914,6 +9294,79 @@
               <a:t>Decision Tree – python code</a:t>
             </a:r>
             <a:endParaRPr lang="fr-FR" dirty="0"/>
+          </a:p>
+        </p:txBody>
+      </p:sp>
+      <p:sp>
+        <p:nvSpPr>
+          <p:cNvPr id="4" name="ZoneTexte 3">
+            <a:extLst>
+              <a:ext uri="{FF2B5EF4-FFF2-40B4-BE49-F238E27FC236}">
+                <a16:creationId xmlns:a16="http://schemas.microsoft.com/office/drawing/2014/main" id="{8F971069-0190-418A-B648-A3404E92264E}"/>
+              </a:ext>
+            </a:extLst>
+          </p:cNvPr>
+          <p:cNvSpPr txBox="1"/>
+          <p:nvPr/>
+        </p:nvSpPr>
+        <p:spPr>
+          <a:xfrm>
+            <a:off x="3230883" y="5425440"/>
+            <a:ext cx="8212056" cy="830997"/>
+          </a:xfrm>
+          <a:prstGeom prst="rect">
+            <a:avLst/>
+          </a:prstGeom>
+          <a:noFill/>
+        </p:spPr>
+        <p:txBody>
+          <a:bodyPr wrap="none" rtlCol="0">
+            <a:spAutoFit/>
+          </a:bodyPr>
+          <a:lstStyle/>
+          <a:p>
+            <a:r>
+              <a:rPr lang="fr-FR" sz="1600" dirty="0"/>
+              <a:t>Documentation:</a:t>
+            </a:r>
+            <a:endParaRPr lang="fr-FR" sz="1600" dirty="0">
+              <a:hlinkClick r:id="rId2">
+                <a:extLst>
+                  <a:ext uri="{A12FA001-AC4F-418D-AE19-62706E023703}">
+                    <ahyp:hlinkClr xmlns:ahyp="http://schemas.microsoft.com/office/drawing/2018/hyperlinkcolor" val="tx"/>
+                  </a:ext>
+                </a:extLst>
+              </a:hlinkClick>
+            </a:endParaRPr>
+          </a:p>
+          <a:p>
+            <a:r>
+              <a:rPr lang="fr-FR" sz="1600" i="1" dirty="0">
+                <a:solidFill>
+                  <a:srgbClr val="282AFF"/>
+                </a:solidFill>
+                <a:hlinkClick r:id="rId3">
+                  <a:extLst>
+                    <a:ext uri="{A12FA001-AC4F-418D-AE19-62706E023703}">
+                      <ahyp:hlinkClr xmlns:ahyp="http://schemas.microsoft.com/office/drawing/2018/hyperlinkcolor" val="tx"/>
+                    </a:ext>
+                  </a:extLst>
+                </a:hlinkClick>
+              </a:rPr>
+              <a:t>https://scikit-learn.org/stable/modules/generated/sklearn.tree.DecisionTreeClassifier.html</a:t>
+            </a:r>
+            <a:endParaRPr lang="fr-FR" sz="1600" i="1" dirty="0">
+              <a:solidFill>
+                <a:srgbClr val="282AFF"/>
+              </a:solidFill>
+            </a:endParaRPr>
+          </a:p>
+          <a:p>
+            <a:endParaRPr lang="fr-FR" sz="1600" i="1" dirty="0">
+              <a:solidFill>
+                <a:schemeClr val="tx2"/>
+              </a:solidFill>
+            </a:endParaRPr>
           </a:p>
         </p:txBody>
       </p:sp>
@@ -9238,8 +9691,8 @@
         </p:nvSpPr>
         <p:spPr>
           <a:xfrm>
-            <a:off x="469879" y="1372351"/>
-            <a:ext cx="8995546" cy="4441015"/>
+            <a:off x="469879" y="1372352"/>
+            <a:ext cx="8995546" cy="3604202"/>
           </a:xfrm>
           <a:solidFill>
             <a:schemeClr val="bg1">
@@ -9414,6 +9867,79 @@
               <a:t>Random Forest – python code</a:t>
             </a:r>
             <a:endParaRPr lang="fr-FR" dirty="0"/>
+          </a:p>
+        </p:txBody>
+      </p:sp>
+      <p:sp>
+        <p:nvSpPr>
+          <p:cNvPr id="4" name="ZoneTexte 3">
+            <a:extLst>
+              <a:ext uri="{FF2B5EF4-FFF2-40B4-BE49-F238E27FC236}">
+                <a16:creationId xmlns:a16="http://schemas.microsoft.com/office/drawing/2014/main" id="{A24E4E40-0ED0-61AF-087F-E3005811A536}"/>
+              </a:ext>
+            </a:extLst>
+          </p:cNvPr>
+          <p:cNvSpPr txBox="1"/>
+          <p:nvPr/>
+        </p:nvSpPr>
+        <p:spPr>
+          <a:xfrm>
+            <a:off x="2959334" y="5408815"/>
+            <a:ext cx="8911799" cy="830997"/>
+          </a:xfrm>
+          <a:prstGeom prst="rect">
+            <a:avLst/>
+          </a:prstGeom>
+          <a:noFill/>
+        </p:spPr>
+        <p:txBody>
+          <a:bodyPr wrap="none" rtlCol="0">
+            <a:spAutoFit/>
+          </a:bodyPr>
+          <a:lstStyle/>
+          <a:p>
+            <a:r>
+              <a:rPr lang="fr-FR" sz="1600" dirty="0"/>
+              <a:t>Documentation:</a:t>
+            </a:r>
+            <a:endParaRPr lang="fr-FR" sz="1600" dirty="0">
+              <a:hlinkClick r:id="rId2">
+                <a:extLst>
+                  <a:ext uri="{A12FA001-AC4F-418D-AE19-62706E023703}">
+                    <ahyp:hlinkClr xmlns:ahyp="http://schemas.microsoft.com/office/drawing/2018/hyperlinkcolor" val="tx"/>
+                  </a:ext>
+                </a:extLst>
+              </a:hlinkClick>
+            </a:endParaRPr>
+          </a:p>
+          <a:p>
+            <a:r>
+              <a:rPr lang="fr-FR" sz="1600" i="1" dirty="0">
+                <a:solidFill>
+                  <a:srgbClr val="282AFF"/>
+                </a:solidFill>
+                <a:hlinkClick r:id="rId3">
+                  <a:extLst>
+                    <a:ext uri="{A12FA001-AC4F-418D-AE19-62706E023703}">
+                      <ahyp:hlinkClr xmlns:ahyp="http://schemas.microsoft.com/office/drawing/2018/hyperlinkcolor" val="tx"/>
+                    </a:ext>
+                  </a:extLst>
+                </a:hlinkClick>
+              </a:rPr>
+              <a:t>https://scikit-learn.org/stable/modules/generated/sklearn.ensemble.RandomForestClassifier.html</a:t>
+            </a:r>
+            <a:endParaRPr lang="fr-FR" sz="1600" i="1" dirty="0">
+              <a:solidFill>
+                <a:srgbClr val="282AFF"/>
+              </a:solidFill>
+            </a:endParaRPr>
+          </a:p>
+          <a:p>
+            <a:endParaRPr lang="fr-FR" sz="1600" i="1" dirty="0">
+              <a:solidFill>
+                <a:schemeClr val="tx2"/>
+              </a:solidFill>
+            </a:endParaRPr>
           </a:p>
         </p:txBody>
       </p:sp>
@@ -9614,7 +10140,7 @@
         </p:nvSpPr>
         <p:spPr>
           <a:xfrm>
-            <a:off x="469879" y="1250845"/>
+            <a:off x="469879" y="1018088"/>
             <a:ext cx="7510339" cy="4922740"/>
           </a:xfrm>
           <a:solidFill>
@@ -9963,6 +10489,79 @@
               <a:t>– python code</a:t>
             </a:r>
             <a:endParaRPr lang="fr-FR" dirty="0"/>
+          </a:p>
+        </p:txBody>
+      </p:sp>
+      <p:sp>
+        <p:nvSpPr>
+          <p:cNvPr id="4" name="ZoneTexte 3">
+            <a:extLst>
+              <a:ext uri="{FF2B5EF4-FFF2-40B4-BE49-F238E27FC236}">
+                <a16:creationId xmlns:a16="http://schemas.microsoft.com/office/drawing/2014/main" id="{C97873DB-1C7E-E2B1-C4B4-7282A44D48B4}"/>
+              </a:ext>
+            </a:extLst>
+          </p:cNvPr>
+          <p:cNvSpPr txBox="1"/>
+          <p:nvPr/>
+        </p:nvSpPr>
+        <p:spPr>
+          <a:xfrm>
+            <a:off x="3286301" y="6068292"/>
+            <a:ext cx="7182159" cy="830997"/>
+          </a:xfrm>
+          <a:prstGeom prst="rect">
+            <a:avLst/>
+          </a:prstGeom>
+          <a:noFill/>
+        </p:spPr>
+        <p:txBody>
+          <a:bodyPr wrap="none" rtlCol="0">
+            <a:spAutoFit/>
+          </a:bodyPr>
+          <a:lstStyle/>
+          <a:p>
+            <a:r>
+              <a:rPr lang="fr-FR" sz="1600" dirty="0"/>
+              <a:t>Documentation:</a:t>
+            </a:r>
+            <a:endParaRPr lang="fr-FR" sz="1600" dirty="0">
+              <a:hlinkClick r:id="rId2">
+                <a:extLst>
+                  <a:ext uri="{A12FA001-AC4F-418D-AE19-62706E023703}">
+                    <ahyp:hlinkClr xmlns:ahyp="http://schemas.microsoft.com/office/drawing/2018/hyperlinkcolor" val="tx"/>
+                  </a:ext>
+                </a:extLst>
+              </a:hlinkClick>
+            </a:endParaRPr>
+          </a:p>
+          <a:p>
+            <a:r>
+              <a:rPr lang="fr-FR" sz="1600" i="1" dirty="0">
+                <a:solidFill>
+                  <a:srgbClr val="282AFF"/>
+                </a:solidFill>
+                <a:hlinkClick r:id="rId3">
+                  <a:extLst>
+                    <a:ext uri="{A12FA001-AC4F-418D-AE19-62706E023703}">
+                      <ahyp:hlinkClr xmlns:ahyp="http://schemas.microsoft.com/office/drawing/2018/hyperlinkcolor" val="tx"/>
+                    </a:ext>
+                  </a:extLst>
+                </a:hlinkClick>
+              </a:rPr>
+              <a:t>https://scikit-learn.org/stable/modules/generated/sklearn.cluster.KMeans.html</a:t>
+            </a:r>
+            <a:endParaRPr lang="fr-FR" sz="1600" i="1" dirty="0">
+              <a:solidFill>
+                <a:srgbClr val="282AFF"/>
+              </a:solidFill>
+            </a:endParaRPr>
+          </a:p>
+          <a:p>
+            <a:endParaRPr lang="fr-FR" sz="1600" i="1" dirty="0">
+              <a:solidFill>
+                <a:schemeClr val="tx2"/>
+              </a:solidFill>
+            </a:endParaRPr>
           </a:p>
         </p:txBody>
       </p:sp>
@@ -10159,7 +10758,7 @@
         </p:nvSpPr>
         <p:spPr>
           <a:xfrm>
-            <a:off x="469879" y="1372351"/>
+            <a:off x="469879" y="1189470"/>
             <a:ext cx="10192579" cy="4668231"/>
           </a:xfrm>
           <a:solidFill>
@@ -10565,6 +11164,79 @@
               <a:t>Simple Feedforward Neural Network – python code</a:t>
             </a:r>
             <a:endParaRPr lang="fr-FR" dirty="0"/>
+          </a:p>
+        </p:txBody>
+      </p:sp>
+      <p:sp>
+        <p:nvSpPr>
+          <p:cNvPr id="4" name="ZoneTexte 3">
+            <a:extLst>
+              <a:ext uri="{FF2B5EF4-FFF2-40B4-BE49-F238E27FC236}">
+                <a16:creationId xmlns:a16="http://schemas.microsoft.com/office/drawing/2014/main" id="{2E00058E-9567-AA23-E431-EDBB90E39D25}"/>
+              </a:ext>
+            </a:extLst>
+          </p:cNvPr>
+          <p:cNvSpPr txBox="1"/>
+          <p:nvPr/>
+        </p:nvSpPr>
+        <p:spPr>
+          <a:xfrm>
+            <a:off x="4692810" y="6040582"/>
+            <a:ext cx="5969648" cy="830997"/>
+          </a:xfrm>
+          <a:prstGeom prst="rect">
+            <a:avLst/>
+          </a:prstGeom>
+          <a:noFill/>
+        </p:spPr>
+        <p:txBody>
+          <a:bodyPr wrap="none" rtlCol="0">
+            <a:spAutoFit/>
+          </a:bodyPr>
+          <a:lstStyle/>
+          <a:p>
+            <a:r>
+              <a:rPr lang="fr-FR" sz="1600" dirty="0"/>
+              <a:t>Documentation:</a:t>
+            </a:r>
+            <a:endParaRPr lang="fr-FR" sz="1600" dirty="0">
+              <a:hlinkClick r:id="rId2">
+                <a:extLst>
+                  <a:ext uri="{A12FA001-AC4F-418D-AE19-62706E023703}">
+                    <ahyp:hlinkClr xmlns:ahyp="http://schemas.microsoft.com/office/drawing/2018/hyperlinkcolor" val="tx"/>
+                  </a:ext>
+                </a:extLst>
+              </a:hlinkClick>
+            </a:endParaRPr>
+          </a:p>
+          <a:p>
+            <a:r>
+              <a:rPr lang="fr-FR" sz="1600" i="1" dirty="0">
+                <a:solidFill>
+                  <a:srgbClr val="282AFF"/>
+                </a:solidFill>
+                <a:hlinkClick r:id="rId3">
+                  <a:extLst>
+                    <a:ext uri="{A12FA001-AC4F-418D-AE19-62706E023703}">
+                      <ahyp:hlinkClr xmlns:ahyp="http://schemas.microsoft.com/office/drawing/2018/hyperlinkcolor" val="tx"/>
+                    </a:ext>
+                  </a:extLst>
+                </a:hlinkClick>
+              </a:rPr>
+              <a:t>https://www.tensorflow.org/guide/keras/sequential_model?hl=en</a:t>
+            </a:r>
+            <a:endParaRPr lang="fr-FR" sz="1600" i="1" dirty="0">
+              <a:solidFill>
+                <a:srgbClr val="282AFF"/>
+              </a:solidFill>
+            </a:endParaRPr>
+          </a:p>
+          <a:p>
+            <a:endParaRPr lang="fr-FR" sz="1600" i="1" dirty="0">
+              <a:solidFill>
+                <a:schemeClr val="tx2"/>
+              </a:solidFill>
+            </a:endParaRPr>
           </a:p>
         </p:txBody>
       </p:sp>
@@ -11206,6 +11878,79 @@
           </a:p>
         </p:txBody>
       </p:sp>
+      <p:sp>
+        <p:nvSpPr>
+          <p:cNvPr id="4" name="ZoneTexte 3">
+            <a:extLst>
+              <a:ext uri="{FF2B5EF4-FFF2-40B4-BE49-F238E27FC236}">
+                <a16:creationId xmlns:a16="http://schemas.microsoft.com/office/drawing/2014/main" id="{ECB542D9-8B58-0D78-FF5C-BE71285C7991}"/>
+              </a:ext>
+            </a:extLst>
+          </p:cNvPr>
+          <p:cNvSpPr txBox="1"/>
+          <p:nvPr/>
+        </p:nvSpPr>
+        <p:spPr>
+          <a:xfrm>
+            <a:off x="4692810" y="6040582"/>
+            <a:ext cx="5681363" cy="830997"/>
+          </a:xfrm>
+          <a:prstGeom prst="rect">
+            <a:avLst/>
+          </a:prstGeom>
+          <a:noFill/>
+        </p:spPr>
+        <p:txBody>
+          <a:bodyPr wrap="none" rtlCol="0">
+            <a:spAutoFit/>
+          </a:bodyPr>
+          <a:lstStyle/>
+          <a:p>
+            <a:r>
+              <a:rPr lang="fr-FR" sz="1600" dirty="0"/>
+              <a:t>Documentation:</a:t>
+            </a:r>
+            <a:endParaRPr lang="fr-FR" sz="1600" dirty="0">
+              <a:hlinkClick r:id="rId2">
+                <a:extLst>
+                  <a:ext uri="{A12FA001-AC4F-418D-AE19-62706E023703}">
+                    <ahyp:hlinkClr xmlns:ahyp="http://schemas.microsoft.com/office/drawing/2018/hyperlinkcolor" val="tx"/>
+                  </a:ext>
+                </a:extLst>
+              </a:hlinkClick>
+            </a:endParaRPr>
+          </a:p>
+          <a:p>
+            <a:r>
+              <a:rPr lang="fr-FR" sz="1600" i="1" dirty="0">
+                <a:solidFill>
+                  <a:srgbClr val="282AFF"/>
+                </a:solidFill>
+                <a:hlinkClick r:id="rId3">
+                  <a:extLst>
+                    <a:ext uri="{A12FA001-AC4F-418D-AE19-62706E023703}">
+                      <ahyp:hlinkClr xmlns:ahyp="http://schemas.microsoft.com/office/drawing/2018/hyperlinkcolor" val="tx"/>
+                    </a:ext>
+                  </a:extLst>
+                </a:hlinkClick>
+              </a:rPr>
+              <a:t>https://scikit-learn.org/stable/modules/model_evaluation.html</a:t>
+            </a:r>
+            <a:endParaRPr lang="fr-FR" sz="1600" i="1" dirty="0">
+              <a:solidFill>
+                <a:srgbClr val="282AFF"/>
+              </a:solidFill>
+            </a:endParaRPr>
+          </a:p>
+          <a:p>
+            <a:endParaRPr lang="fr-FR" sz="1600" i="1" dirty="0">
+              <a:solidFill>
+                <a:schemeClr val="tx2"/>
+              </a:solidFill>
+            </a:endParaRPr>
+          </a:p>
+        </p:txBody>
+      </p:sp>
     </p:spTree>
     <p:extLst>
       <p:ext uri="{BB962C8B-B14F-4D97-AF65-F5344CB8AC3E}">
@@ -11912,8 +12657,8 @@
         </p:nvSpPr>
         <p:spPr>
           <a:xfrm>
-            <a:off x="469879" y="1529542"/>
-            <a:ext cx="11268000" cy="4781173"/>
+            <a:off x="469879" y="1185950"/>
+            <a:ext cx="11268000" cy="5124766"/>
           </a:xfrm>
           <a:prstGeom prst="rect">
             <a:avLst/>
@@ -12106,6 +12851,9 @@
             <a:endParaRPr lang="en-US" dirty="0"/>
           </a:p>
           <a:p>
+            <a:endParaRPr lang="en-US" dirty="0"/>
+          </a:p>
+          <a:p>
             <a:r>
               <a:rPr lang="fr-FR" b="1" dirty="0" err="1"/>
               <a:t>Categorical</a:t>
@@ -12168,8 +12916,8 @@
         </p:nvSpPr>
         <p:spPr>
           <a:xfrm>
-            <a:off x="469879" y="2022767"/>
-            <a:ext cx="7587925" cy="576348"/>
+            <a:off x="469879" y="1557253"/>
+            <a:ext cx="7587925" cy="964274"/>
           </a:xfrm>
           <a:solidFill>
             <a:schemeClr val="bg1">
@@ -12200,6 +12948,11 @@
               <a:rPr lang="fr-FR" dirty="0"/>
               <a:t>()  </a:t>
             </a:r>
+          </a:p>
+          <a:p>
+            <a:pPr marL="0" indent="0">
+              <a:buNone/>
+            </a:pPr>
             <a:r>
               <a:rPr lang="fr-FR" dirty="0" err="1"/>
               <a:t>df</a:t>
@@ -14436,15 +15189,6 @@
 </file>
 
 <file path=customXml/item2.xml><?xml version="1.0" encoding="utf-8"?>
-<?mso-contentType ?>
-<FormTemplates xmlns="http://schemas.microsoft.com/sharepoint/v3/contenttype/forms">
-  <Display>DocumentLibraryForm</Display>
-  <Edit>DocumentLibraryForm</Edit>
-  <New>DocumentLibraryForm</New>
-</FormTemplates>
-</file>
-
-<file path=customXml/item3.xml><?xml version="1.0" encoding="utf-8"?>
 <ct:contentTypeSchema xmlns:ct="http://schemas.microsoft.com/office/2006/metadata/contentType" xmlns:ma="http://schemas.microsoft.com/office/2006/metadata/properties/metaAttributes" ct:_="" ma:_="" ma:contentTypeName="Document" ma:contentTypeID="0x01010015B2C2B01D4DDB419A596BD9A6916A65" ma:contentTypeVersion="11" ma:contentTypeDescription="Crée un document." ma:contentTypeScope="" ma:versionID="0d844d16b91869ccb7363960514f29da">
   <xsd:schema xmlns:xsd="http://www.w3.org/2001/XMLSchema" xmlns:xs="http://www.w3.org/2001/XMLSchema" xmlns:p="http://schemas.microsoft.com/office/2006/metadata/properties" xmlns:ns2="731611b8-aebd-4fd5-9c1d-7baf585413ff" xmlns:ns3="09b697a0-5238-4abe-835d-aa480ca3c4b9" targetNamespace="http://schemas.microsoft.com/office/2006/metadata/properties" ma:root="true" ma:fieldsID="cb96fa54459e183bbe208241e8162c5f" ns2:_="" ns3:_="">
     <xsd:import namespace="731611b8-aebd-4fd5-9c1d-7baf585413ff"/>
@@ -14639,6 +15383,15 @@
 </ct:contentTypeSchema>
 </file>
 
+<file path=customXml/item3.xml><?xml version="1.0" encoding="utf-8"?>
+<?mso-contentType ?>
+<FormTemplates xmlns="http://schemas.microsoft.com/sharepoint/v3/contenttype/forms">
+  <Display>DocumentLibraryForm</Display>
+  <Edit>DocumentLibraryForm</Edit>
+  <New>DocumentLibraryForm</New>
+</FormTemplates>
+</file>
+
 <file path=customXml/itemProps1.xml><?xml version="1.0" encoding="utf-8"?>
 <ds:datastoreItem xmlns:ds="http://schemas.openxmlformats.org/officeDocument/2006/customXml" ds:itemID="{DE0418E3-DDC7-4D02-A3E1-0097E4D00E41}">
   <ds:schemaRefs>
@@ -14657,14 +15410,6 @@
 </file>
 
 <file path=customXml/itemProps2.xml><?xml version="1.0" encoding="utf-8"?>
-<ds:datastoreItem xmlns:ds="http://schemas.openxmlformats.org/officeDocument/2006/customXml" ds:itemID="{69611A8F-B7CE-4788-A7C7-6282994511AB}">
-  <ds:schemaRefs>
-    <ds:schemaRef ds:uri="http://schemas.microsoft.com/sharepoint/v3/contenttype/forms"/>
-  </ds:schemaRefs>
-</ds:datastoreItem>
-</file>
-
-<file path=customXml/itemProps3.xml><?xml version="1.0" encoding="utf-8"?>
 <ds:datastoreItem xmlns:ds="http://schemas.openxmlformats.org/officeDocument/2006/customXml" ds:itemID="{F67A274C-DFA0-4941-B054-2DA1553CBB2E}">
   <ds:schemaRefs>
     <ds:schemaRef ds:uri="09b697a0-5238-4abe-835d-aa480ca3c4b9"/>
@@ -14681,4 +15426,12 @@
     <ds:schemaRef ds:uri="http://www.w3.org/2001/XMLSchema"/>
   </ds:schemaRefs>
 </ds:datastoreItem>
+</file>
+
+<file path=customXml/itemProps3.xml><?xml version="1.0" encoding="utf-8"?>
+<ds:datastoreItem xmlns:ds="http://schemas.openxmlformats.org/officeDocument/2006/customXml" ds:itemID="{69611A8F-B7CE-4788-A7C7-6282994511AB}">
+  <ds:schemaRefs>
+    <ds:schemaRef ds:uri="http://schemas.microsoft.com/sharepoint/v3/contenttype/forms"/>
+  </ds:schemaRefs>
+</ds:datastoreItem>
 </file>